--- a/Documents/2nd_Presentation/IoT_PPT_Font.pptx
+++ b/Documents/2nd_Presentation/IoT_PPT_Font.pptx
@@ -29,15 +29,15 @@
   <p:notesSz cx="6858000" cy="9144000"/>
   <p:embeddedFontLst>
     <p:embeddedFont>
-      <p:font typeface="Consolas" panose="020B0609020204030204" pitchFamily="49" charset="0"/>
-      <p:regular r:id="rId19"/>
-      <p:bold r:id="rId20"/>
-      <p:italic r:id="rId21"/>
-      <p:boldItalic r:id="rId22"/>
+      <p:font typeface="Tmon몬소리 Black" panose="020B0600000101010101" charset="-127"/>
+      <p:bold r:id="rId19"/>
     </p:embeddedFont>
     <p:embeddedFont>
-      <p:font typeface="Tmon몬소리 Black" panose="02000A03000000000000" pitchFamily="2" charset="-127"/>
-      <p:bold r:id="rId23"/>
+      <p:font typeface="Consolas" panose="020B0609020204030204" pitchFamily="49" charset="0"/>
+      <p:regular r:id="rId20"/>
+      <p:bold r:id="rId21"/>
+      <p:italic r:id="rId22"/>
+      <p:boldItalic r:id="rId23"/>
     </p:embeddedFont>
     <p:embeddedFont>
       <p:font typeface="맑은 고딕" panose="020B0503020000020004" pitchFamily="50" charset="-127"/>
@@ -10081,7 +10081,7 @@
             <p:ph idx="1"/>
             <p:extLst>
               <p:ext uri="{D42A27DB-BD31-4B8C-83A1-F6EECF244321}">
-                <p14:modId xmlns:p14="http://schemas.microsoft.com/office/powerpoint/2010/main" val="3343886774"/>
+                <p14:modId xmlns:p14="http://schemas.microsoft.com/office/powerpoint/2010/main" val="4017264406"/>
               </p:ext>
             </p:extLst>
           </p:nvPr>
@@ -11527,10 +11527,22 @@
                           <a:ea typeface="+mn-ea"/>
                           <a:cs typeface="+mn-cs"/>
                         </a:rPr>
-                        <a:t>    pwm0 = </a:t>
-                      </a:r>
-                      <a:r>
-                        <a:rPr lang="en-US" altLang="ko-KR" sz="1100" b="0" kern="1200" dirty="0" err="1">
+                        <a:t>    </a:t>
+                      </a:r>
+                      <a:r>
+                        <a:rPr lang="en-US" altLang="ko-KR" sz="1100" b="1" kern="1200" dirty="0">
+                          <a:solidFill>
+                            <a:schemeClr val="tx1"/>
+                          </a:solidFill>
+                          <a:effectLst/>
+                          <a:latin typeface="+mn-lt"/>
+                          <a:ea typeface="+mn-ea"/>
+                          <a:cs typeface="+mn-cs"/>
+                        </a:rPr>
+                        <a:t>pwm0 = </a:t>
+                      </a:r>
+                      <a:r>
+                        <a:rPr lang="en-US" altLang="ko-KR" sz="1100" b="1" kern="1200" dirty="0" err="1">
                           <a:solidFill>
                             <a:schemeClr val="tx1"/>
                           </a:solidFill>
@@ -11542,7 +11554,7 @@
                         <a:t>pwm_request</a:t>
                       </a:r>
                       <a:r>
-                        <a:rPr lang="en-US" altLang="ko-KR" sz="1100" b="0" kern="1200" dirty="0">
+                        <a:rPr lang="en-US" altLang="ko-KR" sz="1100" b="1" kern="1200" dirty="0">
                           <a:solidFill>
                             <a:schemeClr val="tx1"/>
                           </a:solidFill>
@@ -11554,7 +11566,7 @@
                         <a:t>(0, "</a:t>
                       </a:r>
                       <a:r>
-                        <a:rPr lang="en-US" altLang="ko-KR" sz="1100" b="0" kern="1200" dirty="0" err="1">
+                        <a:rPr lang="en-US" altLang="ko-KR" sz="1100" b="1" kern="1200" dirty="0" err="1">
                           <a:solidFill>
                             <a:schemeClr val="tx1"/>
                           </a:solidFill>
@@ -11566,7 +11578,7 @@
                         <a:t>servo_motor_pwm</a:t>
                       </a:r>
                       <a:r>
-                        <a:rPr lang="en-US" altLang="ko-KR" sz="1100" b="0" kern="1200" dirty="0">
+                        <a:rPr lang="en-US" altLang="ko-KR" sz="1100" b="1" kern="1200" dirty="0">
                           <a:solidFill>
                             <a:schemeClr val="tx1"/>
                           </a:solidFill>
@@ -11580,7 +11592,7 @@
                     </a:p>
                     <a:p>
                       <a:r>
-                        <a:rPr lang="en-US" altLang="ko-KR" sz="1100" b="0" kern="1200" dirty="0">
+                        <a:rPr lang="en-US" altLang="ko-KR" sz="1100" b="1" kern="1200" dirty="0">
                           <a:solidFill>
                             <a:schemeClr val="tx1"/>
                           </a:solidFill>
@@ -11594,7 +11606,7 @@
                     </a:p>
                     <a:p>
                       <a:r>
-                        <a:rPr lang="en-US" altLang="ko-KR" sz="1100" b="0" kern="1200" dirty="0">
+                        <a:rPr lang="en-US" altLang="ko-KR" sz="1100" b="1" kern="1200" dirty="0">
                           <a:solidFill>
                             <a:schemeClr val="tx1"/>
                           </a:solidFill>
@@ -11606,7 +11618,7 @@
                         <a:t>        </a:t>
                       </a:r>
                       <a:r>
-                        <a:rPr lang="en-US" altLang="ko-KR" sz="1100" b="0" kern="1200" dirty="0" err="1">
+                        <a:rPr lang="en-US" altLang="ko-KR" sz="1100" b="1" kern="1200" dirty="0" err="1">
                           <a:solidFill>
                             <a:schemeClr val="tx1"/>
                           </a:solidFill>
@@ -11618,7 +11630,7 @@
                         <a:t>printk</a:t>
                       </a:r>
                       <a:r>
-                        <a:rPr lang="en-US" altLang="ko-KR" sz="1100" b="0" kern="1200" dirty="0">
+                        <a:rPr lang="en-US" altLang="ko-KR" sz="1100" b="1" kern="1200" dirty="0">
                           <a:solidFill>
                             <a:schemeClr val="tx1"/>
                           </a:solidFill>
@@ -11630,7 +11642,7 @@
                         <a:t>("PWM0 </a:t>
                       </a:r>
                       <a:r>
-                        <a:rPr lang="ko-KR" altLang="en-US" sz="1100" b="0" kern="1200" dirty="0">
+                        <a:rPr lang="ko-KR" altLang="en-US" sz="1100" b="1" kern="1200" dirty="0">
                           <a:solidFill>
                             <a:schemeClr val="tx1"/>
                           </a:solidFill>
@@ -11642,7 +11654,7 @@
                         <a:t>요청이 실패했습니다</a:t>
                       </a:r>
                       <a:r>
-                        <a:rPr lang="en-US" altLang="ko-KR" sz="1100" b="0" kern="1200" dirty="0">
+                        <a:rPr lang="en-US" altLang="ko-KR" sz="1100" b="1" kern="1200" dirty="0">
                           <a:solidFill>
                             <a:schemeClr val="tx1"/>
                           </a:solidFill>
@@ -11656,7 +11668,7 @@
                     </a:p>
                     <a:p>
                       <a:r>
-                        <a:rPr lang="en-US" altLang="ko-KR" sz="1100" b="0" kern="1200" dirty="0">
+                        <a:rPr lang="en-US" altLang="ko-KR" sz="1100" b="1" kern="1200" dirty="0">
                           <a:solidFill>
                             <a:schemeClr val="tx1"/>
                           </a:solidFill>
@@ -11670,7 +11682,7 @@
                     </a:p>
                     <a:p>
                       <a:r>
-                        <a:rPr lang="en-US" altLang="ko-KR" sz="1100" b="0" kern="1200" dirty="0">
+                        <a:rPr lang="en-US" altLang="ko-KR" sz="1100" b="1" kern="1200" dirty="0">
                           <a:solidFill>
                             <a:schemeClr val="tx1"/>
                           </a:solidFill>
@@ -11684,7 +11696,7 @@
                     </a:p>
                     <a:p>
                       <a:br>
-                        <a:rPr lang="en-US" altLang="ko-KR" sz="1100" b="0" kern="1200" dirty="0">
+                        <a:rPr lang="en-US" altLang="ko-KR" sz="1100" b="1" kern="1200" dirty="0">
                           <a:solidFill>
                             <a:schemeClr val="tx1"/>
                           </a:solidFill>
@@ -11695,7 +11707,7 @@
                         </a:rPr>
                       </a:br>
                       <a:r>
-                        <a:rPr lang="en-US" altLang="ko-KR" sz="1100" b="0" kern="1200" dirty="0">
+                        <a:rPr lang="en-US" altLang="ko-KR" sz="1100" b="1" kern="1200" dirty="0">
                           <a:solidFill>
                             <a:schemeClr val="tx1"/>
                           </a:solidFill>
@@ -11707,7 +11719,7 @@
                         <a:t>    </a:t>
                       </a:r>
                       <a:r>
-                        <a:rPr lang="en-US" altLang="ko-KR" sz="1100" b="0" kern="1200" dirty="0" err="1">
+                        <a:rPr lang="en-US" altLang="ko-KR" sz="1100" b="1" kern="1200" dirty="0" err="1">
                           <a:solidFill>
                             <a:schemeClr val="tx1"/>
                           </a:solidFill>
@@ -11719,7 +11731,7 @@
                         <a:t>pwm_config</a:t>
                       </a:r>
                       <a:r>
-                        <a:rPr lang="en-US" altLang="ko-KR" sz="1100" b="0" kern="1200" dirty="0">
+                        <a:rPr lang="en-US" altLang="ko-KR" sz="1100" b="1" kern="1200" dirty="0">
                           <a:solidFill>
                             <a:schemeClr val="tx1"/>
                           </a:solidFill>
@@ -11731,7 +11743,7 @@
                         <a:t>(pwm0, </a:t>
                       </a:r>
                       <a:r>
-                        <a:rPr lang="en-US" altLang="ko-KR" sz="1100" b="0" kern="1200" dirty="0" err="1">
+                        <a:rPr lang="en-US" altLang="ko-KR" sz="1100" b="1" kern="1200" dirty="0" err="1">
                           <a:solidFill>
                             <a:schemeClr val="tx1"/>
                           </a:solidFill>
@@ -11743,7 +11755,7 @@
                         <a:t>duty_init</a:t>
                       </a:r>
                       <a:r>
-                        <a:rPr lang="en-US" altLang="ko-KR" sz="1100" b="0" kern="1200" dirty="0">
+                        <a:rPr lang="en-US" altLang="ko-KR" sz="1100" b="1" kern="1200" dirty="0">
                           <a:solidFill>
                             <a:schemeClr val="tx1"/>
                           </a:solidFill>
@@ -11755,7 +11767,7 @@
                         <a:t>, </a:t>
                       </a:r>
                       <a:r>
-                        <a:rPr lang="en-US" altLang="ko-KR" sz="1100" b="0" kern="1200" dirty="0" err="1">
+                        <a:rPr lang="en-US" altLang="ko-KR" sz="1100" b="1" kern="1200" dirty="0" err="1">
                           <a:solidFill>
                             <a:schemeClr val="tx1"/>
                           </a:solidFill>
@@ -11767,7 +11779,7 @@
                         <a:t>period_init</a:t>
                       </a:r>
                       <a:r>
-                        <a:rPr lang="en-US" altLang="ko-KR" sz="1100" b="0" kern="1200" dirty="0">
+                        <a:rPr lang="en-US" altLang="ko-KR" sz="1100" b="1" kern="1200" dirty="0">
                           <a:solidFill>
                             <a:schemeClr val="tx1"/>
                           </a:solidFill>
@@ -11781,7 +11793,7 @@
                     </a:p>
                     <a:p>
                       <a:r>
-                        <a:rPr lang="en-US" altLang="ko-KR" sz="1100" b="0" kern="1200" dirty="0">
+                        <a:rPr lang="en-US" altLang="ko-KR" sz="1100" b="1" kern="1200" dirty="0">
                           <a:solidFill>
                             <a:schemeClr val="tx1"/>
                           </a:solidFill>
@@ -11793,7 +11805,7 @@
                         <a:t>    </a:t>
                       </a:r>
                       <a:r>
-                        <a:rPr lang="en-US" altLang="ko-KR" sz="1100" b="0" kern="1200" dirty="0" err="1">
+                        <a:rPr lang="en-US" altLang="ko-KR" sz="1100" b="1" kern="1200" dirty="0" err="1">
                           <a:solidFill>
                             <a:schemeClr val="tx1"/>
                           </a:solidFill>
@@ -11805,7 +11817,7 @@
                         <a:t>pwm_enable</a:t>
                       </a:r>
                       <a:r>
-                        <a:rPr lang="en-US" altLang="ko-KR" sz="1100" b="0" kern="1200" dirty="0">
+                        <a:rPr lang="en-US" altLang="ko-KR" sz="1100" b="1" kern="1200" dirty="0">
                           <a:solidFill>
                             <a:schemeClr val="tx1"/>
                           </a:solidFill>
@@ -11996,7 +12008,7 @@
             <p:ph idx="1"/>
             <p:extLst>
               <p:ext uri="{D42A27DB-BD31-4B8C-83A1-F6EECF244321}">
-                <p14:modId xmlns:p14="http://schemas.microsoft.com/office/powerpoint/2010/main" val="3574560914"/>
+                <p14:modId xmlns:p14="http://schemas.microsoft.com/office/powerpoint/2010/main" val="3349030646"/>
               </p:ext>
             </p:extLst>
           </p:nvPr>
@@ -12256,10 +12268,22 @@
                           <a:ea typeface="+mn-ea"/>
                           <a:cs typeface="+mn-cs"/>
                         </a:rPr>
-                        <a:t>    result = </a:t>
-                      </a:r>
-                      <a:r>
-                        <a:rPr lang="en-US" altLang="ko-KR" sz="1100" b="0" kern="1200" dirty="0" err="1">
+                        <a:t>    </a:t>
+                      </a:r>
+                      <a:r>
+                        <a:rPr lang="en-US" altLang="ko-KR" sz="1100" b="1" kern="1200" dirty="0">
+                          <a:solidFill>
+                            <a:schemeClr val="tx1"/>
+                          </a:solidFill>
+                          <a:effectLst/>
+                          <a:latin typeface="+mn-lt"/>
+                          <a:ea typeface="+mn-ea"/>
+                          <a:cs typeface="+mn-cs"/>
+                        </a:rPr>
+                        <a:t>result = </a:t>
+                      </a:r>
+                      <a:r>
+                        <a:rPr lang="en-US" altLang="ko-KR" sz="1100" b="1" kern="1200" dirty="0" err="1">
                           <a:solidFill>
                             <a:schemeClr val="tx1"/>
                           </a:solidFill>
@@ -12271,7 +12295,7 @@
                         <a:t>copy_from_user</a:t>
                       </a:r>
                       <a:r>
-                        <a:rPr lang="en-US" altLang="ko-KR" sz="1100" b="0" kern="1200" dirty="0">
+                        <a:rPr lang="en-US" altLang="ko-KR" sz="1100" b="1" kern="1200" dirty="0">
                           <a:solidFill>
                             <a:schemeClr val="tx1"/>
                           </a:solidFill>
@@ -13148,7 +13172,7 @@
                         <a:t>    </a:t>
                       </a:r>
                       <a:r>
-                        <a:rPr lang="en-US" altLang="ko-KR" sz="1100" b="0" kern="1200" dirty="0" err="1">
+                        <a:rPr lang="en-US" altLang="ko-KR" sz="1100" b="1" kern="1200" dirty="0" err="1">
                           <a:solidFill>
                             <a:schemeClr val="tx1"/>
                           </a:solidFill>
@@ -13160,7 +13184,7 @@
                         <a:t>pwm_config</a:t>
                       </a:r>
                       <a:r>
-                        <a:rPr lang="en-US" altLang="ko-KR" sz="1100" b="0" kern="1200" dirty="0">
+                        <a:rPr lang="en-US" altLang="ko-KR" sz="1100" b="1" kern="1200" dirty="0">
                           <a:solidFill>
                             <a:schemeClr val="tx1"/>
                           </a:solidFill>
@@ -13174,7 +13198,7 @@
                     </a:p>
                     <a:p>
                       <a:r>
-                        <a:rPr lang="en-US" altLang="ko-KR" sz="1100" b="0" kern="1200" dirty="0">
+                        <a:rPr lang="en-US" altLang="ko-KR" sz="1100" b="1" kern="1200" dirty="0">
                           <a:solidFill>
                             <a:schemeClr val="tx1"/>
                           </a:solidFill>
@@ -19310,7 +19334,7 @@
             <p:ph idx="1"/>
             <p:extLst>
               <p:ext uri="{D42A27DB-BD31-4B8C-83A1-F6EECF244321}">
-                <p14:modId xmlns:p14="http://schemas.microsoft.com/office/powerpoint/2010/main" val="1767521426"/>
+                <p14:modId xmlns:p14="http://schemas.microsoft.com/office/powerpoint/2010/main" val="190838062"/>
               </p:ext>
             </p:extLst>
           </p:nvPr>
@@ -19507,12 +19531,24 @@
                           <a:ea typeface="+mn-ea"/>
                           <a:cs typeface="+mn-cs"/>
                         </a:rPr>
-                        <a:t>    /* data[0] = RED</a:t>
-                      </a:r>
-                    </a:p>
-                    <a:p>
-                      <a:r>
-                        <a:rPr lang="en-US" altLang="ko-KR" sz="1400" b="0" kern="1200" dirty="0">
+                        <a:t>    </a:t>
+                      </a:r>
+                      <a:r>
+                        <a:rPr lang="en-US" altLang="ko-KR" sz="1400" b="1" kern="1200" dirty="0">
+                          <a:solidFill>
+                            <a:schemeClr val="tx1"/>
+                          </a:solidFill>
+                          <a:effectLst/>
+                          <a:latin typeface="+mn-lt"/>
+                          <a:ea typeface="+mn-ea"/>
+                          <a:cs typeface="+mn-cs"/>
+                        </a:rPr>
+                        <a:t>/* data[0] = RED</a:t>
+                      </a:r>
+                    </a:p>
+                    <a:p>
+                      <a:r>
+                        <a:rPr lang="en-US" altLang="ko-KR" sz="1400" b="1" kern="1200" dirty="0">
                           <a:solidFill>
                             <a:schemeClr val="tx1"/>
                           </a:solidFill>
@@ -19526,7 +19562,7 @@
                     </a:p>
                     <a:p>
                       <a:r>
-                        <a:rPr lang="en-US" altLang="ko-KR" sz="1400" b="0" kern="1200" dirty="0">
+                        <a:rPr lang="en-US" altLang="ko-KR" sz="1400" b="1" kern="1200" dirty="0">
                           <a:solidFill>
                             <a:schemeClr val="tx1"/>
                           </a:solidFill>
@@ -19540,7 +19576,7 @@
                     </a:p>
                     <a:p>
                       <a:r>
-                        <a:rPr lang="en-US" altLang="ko-KR" sz="1400" b="0" kern="1200" dirty="0">
+                        <a:rPr lang="en-US" altLang="ko-KR" sz="1400" b="1" kern="1200" dirty="0">
                           <a:solidFill>
                             <a:schemeClr val="tx1"/>
                           </a:solidFill>
@@ -19554,7 +19590,7 @@
                     </a:p>
                     <a:p>
                       <a:r>
-                        <a:rPr lang="en-US" altLang="ko-KR" sz="1400" b="0" kern="1200" dirty="0">
+                        <a:rPr lang="en-US" altLang="ko-KR" sz="1400" b="1" kern="1200" dirty="0">
                           <a:solidFill>
                             <a:schemeClr val="tx1"/>
                           </a:solidFill>
@@ -19568,7 +19604,7 @@
                     </a:p>
                     <a:p>
                       <a:r>
-                        <a:rPr lang="en-US" altLang="ko-KR" sz="1400" b="0" kern="1200" dirty="0">
+                        <a:rPr lang="en-US" altLang="ko-KR" sz="1400" b="1" kern="1200" dirty="0">
                           <a:solidFill>
                             <a:schemeClr val="tx1"/>
                           </a:solidFill>
@@ -19619,7 +19655,7 @@
                         <a:t>    result = </a:t>
                       </a:r>
                       <a:r>
-                        <a:rPr lang="en-US" altLang="ko-KR" sz="1400" b="0" kern="1200" dirty="0" err="1">
+                        <a:rPr lang="en-US" altLang="ko-KR" sz="1400" b="1" kern="1200" dirty="0" err="1">
                           <a:solidFill>
                             <a:schemeClr val="tx1"/>
                           </a:solidFill>
@@ -19631,7 +19667,7 @@
                         <a:t>copy_from_user</a:t>
                       </a:r>
                       <a:r>
-                        <a:rPr lang="en-US" altLang="ko-KR" sz="1400" b="0" kern="1200" dirty="0">
+                        <a:rPr lang="en-US" altLang="ko-KR" sz="1400" b="1" kern="1200" dirty="0">
                           <a:solidFill>
                             <a:schemeClr val="tx1"/>
                           </a:solidFill>
@@ -21640,7 +21676,7 @@
         </p:blipFill>
         <p:spPr>
           <a:xfrm>
-            <a:off x="2163171" y="2077279"/>
+            <a:off x="2163171" y="1508319"/>
             <a:ext cx="7865657" cy="3258817"/>
           </a:xfrm>
           <a:ln w="12700">
@@ -21673,9 +21709,161 @@
           <a:p>
             <a:r>
               <a:rPr lang="en-US" altLang="ko-KR" dirty="0"/>
-              <a:t>Servo Motor</a:t>
+              <a:t>Servo Motor (SG90)</a:t>
             </a:r>
             <a:endParaRPr lang="ko-KR" altLang="en-US" dirty="0"/>
+          </a:p>
+        </p:txBody>
+      </p:sp>
+      <p:sp>
+        <p:nvSpPr>
+          <p:cNvPr id="4" name="TextBox 3">
+            <a:extLst>
+              <a:ext uri="{FF2B5EF4-FFF2-40B4-BE49-F238E27FC236}">
+                <a16:creationId xmlns:a16="http://schemas.microsoft.com/office/drawing/2014/main" id="{D3D214B3-2D41-A2ED-CC0C-5F3C037C095E}"/>
+              </a:ext>
+            </a:extLst>
+          </p:cNvPr>
+          <p:cNvSpPr txBox="1"/>
+          <p:nvPr/>
+        </p:nvSpPr>
+        <p:spPr>
+          <a:xfrm>
+            <a:off x="2163171" y="4945951"/>
+            <a:ext cx="6615069" cy="1477328"/>
+          </a:xfrm>
+          <a:prstGeom prst="rect">
+            <a:avLst/>
+          </a:prstGeom>
+          <a:noFill/>
+        </p:spPr>
+        <p:txBody>
+          <a:bodyPr wrap="square" rtlCol="0" anchor="ctr">
+            <a:spAutoFit/>
+          </a:bodyPr>
+          <a:lstStyle/>
+          <a:p>
+            <a:r>
+              <a:rPr lang="en-US" altLang="ko-KR" b="1" dirty="0"/>
+              <a:t>Period</a:t>
+            </a:r>
+            <a:r>
+              <a:rPr lang="en-US" altLang="ko-KR" dirty="0"/>
+              <a:t>		= 20ms 		= 20,000,000ns</a:t>
+            </a:r>
+          </a:p>
+          <a:p>
+            <a:r>
+              <a:rPr lang="en-US" altLang="ko-KR" b="1" dirty="0"/>
+              <a:t>Duty Cycle </a:t>
+            </a:r>
+            <a:r>
+              <a:rPr lang="en-US" altLang="ko-KR" dirty="0"/>
+              <a:t>	= 1 ~ 2ms 	= 1,000,000 ~ 2,000,000ns</a:t>
+            </a:r>
+          </a:p>
+          <a:p>
+            <a:endParaRPr lang="en-US" altLang="ko-KR" dirty="0"/>
+          </a:p>
+          <a:p>
+            <a:r>
+              <a:rPr lang="en-US" altLang="ko-KR" dirty="0"/>
+              <a:t>Duty Cycle</a:t>
+            </a:r>
+            <a:r>
+              <a:rPr lang="ko-KR" altLang="en-US" dirty="0"/>
+              <a:t>이 </a:t>
+            </a:r>
+            <a:r>
+              <a:rPr lang="en-US" altLang="ko-KR" b="1" dirty="0"/>
+              <a:t>1,000,000ns</a:t>
+            </a:r>
+            <a:r>
+              <a:rPr lang="en-US" altLang="ko-KR" dirty="0"/>
+              <a:t> </a:t>
+            </a:r>
+            <a:r>
+              <a:rPr lang="ko-KR" altLang="en-US" dirty="0"/>
+              <a:t>면 </a:t>
+            </a:r>
+            <a:r>
+              <a:rPr lang="ko-KR" altLang="en-US" dirty="0" err="1"/>
+              <a:t>서보모터는</a:t>
+            </a:r>
+            <a:r>
+              <a:rPr lang="ko-KR" altLang="en-US" dirty="0"/>
+              <a:t>  </a:t>
+            </a:r>
+            <a:r>
+              <a:rPr lang="en-US" altLang="ko-KR" b="1" dirty="0"/>
+              <a:t>90</a:t>
+            </a:r>
+            <a:r>
+              <a:rPr lang="ko-KR" altLang="en-US" b="1" dirty="0"/>
+              <a:t>도</a:t>
+            </a:r>
+            <a:r>
+              <a:rPr lang="ko-KR" altLang="en-US" dirty="0"/>
+              <a:t>를</a:t>
+            </a:r>
+            <a:r>
+              <a:rPr lang="ko-KR" altLang="en-US" b="1" dirty="0"/>
+              <a:t> </a:t>
+            </a:r>
+            <a:r>
+              <a:rPr lang="ko-KR" altLang="en-US" dirty="0"/>
+              <a:t>가리킨다</a:t>
+            </a:r>
+            <a:r>
+              <a:rPr lang="en-US" altLang="ko-KR" dirty="0"/>
+              <a:t>.</a:t>
+            </a:r>
+          </a:p>
+          <a:p>
+            <a:r>
+              <a:rPr lang="en-US" altLang="ko-KR" dirty="0"/>
+              <a:t>Duty Cycle</a:t>
+            </a:r>
+            <a:r>
+              <a:rPr lang="ko-KR" altLang="en-US" dirty="0"/>
+              <a:t>이 </a:t>
+            </a:r>
+            <a:r>
+              <a:rPr lang="en-US" altLang="ko-KR" b="1" dirty="0"/>
+              <a:t>2,000,000ns</a:t>
+            </a:r>
+            <a:r>
+              <a:rPr lang="en-US" altLang="ko-KR" dirty="0"/>
+              <a:t> </a:t>
+            </a:r>
+            <a:r>
+              <a:rPr lang="ko-KR" altLang="en-US" dirty="0"/>
+              <a:t>면 </a:t>
+            </a:r>
+            <a:r>
+              <a:rPr lang="ko-KR" altLang="en-US" dirty="0" err="1"/>
+              <a:t>서보모터는</a:t>
+            </a:r>
+            <a:r>
+              <a:rPr lang="ko-KR" altLang="en-US" dirty="0"/>
+              <a:t> </a:t>
+            </a:r>
+            <a:r>
+              <a:rPr lang="en-US" altLang="ko-KR" b="1" dirty="0"/>
+              <a:t>-90</a:t>
+            </a:r>
+            <a:r>
+              <a:rPr lang="ko-KR" altLang="en-US" b="1" dirty="0"/>
+              <a:t>도</a:t>
+            </a:r>
+            <a:r>
+              <a:rPr lang="ko-KR" altLang="en-US" dirty="0"/>
+              <a:t>를 가리킨다</a:t>
+            </a:r>
+            <a:r>
+              <a:rPr lang="en-US" altLang="ko-KR" dirty="0"/>
+              <a:t>.</a:t>
+            </a:r>
           </a:p>
         </p:txBody>
       </p:sp>
